--- a/ML Algorithm/Classification/KNN/KNN.pptx
+++ b/ML Algorithm/Classification/KNN/KNN.pptx
@@ -298,7 +298,7 @@
           <a:p>
             <a:fld id="{C19FA522-58F7-46BF-AA3D-045D538A9541}" type="datetimeFigureOut">
               <a:rPr lang="en-US" smtClean="0"/>
-              <a:t>11/12/2021</a:t>
+              <a:t>1/14/2023</a:t>
             </a:fld>
             <a:endParaRPr lang="en-US"/>
           </a:p>
@@ -496,7 +496,7 @@
           <a:p>
             <a:fld id="{C19FA522-58F7-46BF-AA3D-045D538A9541}" type="datetimeFigureOut">
               <a:rPr lang="en-US" smtClean="0"/>
-              <a:t>11/12/2021</a:t>
+              <a:t>1/14/2023</a:t>
             </a:fld>
             <a:endParaRPr lang="en-US"/>
           </a:p>
@@ -704,7 +704,7 @@
           <a:p>
             <a:fld id="{C19FA522-58F7-46BF-AA3D-045D538A9541}" type="datetimeFigureOut">
               <a:rPr lang="en-US" smtClean="0"/>
-              <a:t>11/12/2021</a:t>
+              <a:t>1/14/2023</a:t>
             </a:fld>
             <a:endParaRPr lang="en-US"/>
           </a:p>
@@ -902,7 +902,7 @@
           <a:p>
             <a:fld id="{C19FA522-58F7-46BF-AA3D-045D538A9541}" type="datetimeFigureOut">
               <a:rPr lang="en-US" smtClean="0"/>
-              <a:t>11/12/2021</a:t>
+              <a:t>1/14/2023</a:t>
             </a:fld>
             <a:endParaRPr lang="en-US"/>
           </a:p>
@@ -1177,7 +1177,7 @@
           <a:p>
             <a:fld id="{C19FA522-58F7-46BF-AA3D-045D538A9541}" type="datetimeFigureOut">
               <a:rPr lang="en-US" smtClean="0"/>
-              <a:t>11/12/2021</a:t>
+              <a:t>1/14/2023</a:t>
             </a:fld>
             <a:endParaRPr lang="en-US"/>
           </a:p>
@@ -1442,7 +1442,7 @@
           <a:p>
             <a:fld id="{C19FA522-58F7-46BF-AA3D-045D538A9541}" type="datetimeFigureOut">
               <a:rPr lang="en-US" smtClean="0"/>
-              <a:t>11/12/2021</a:t>
+              <a:t>1/14/2023</a:t>
             </a:fld>
             <a:endParaRPr lang="en-US"/>
           </a:p>
@@ -1854,7 +1854,7 @@
           <a:p>
             <a:fld id="{C19FA522-58F7-46BF-AA3D-045D538A9541}" type="datetimeFigureOut">
               <a:rPr lang="en-US" smtClean="0"/>
-              <a:t>11/12/2021</a:t>
+              <a:t>1/14/2023</a:t>
             </a:fld>
             <a:endParaRPr lang="en-US"/>
           </a:p>
@@ -1995,7 +1995,7 @@
           <a:p>
             <a:fld id="{C19FA522-58F7-46BF-AA3D-045D538A9541}" type="datetimeFigureOut">
               <a:rPr lang="en-US" smtClean="0"/>
-              <a:t>11/12/2021</a:t>
+              <a:t>1/14/2023</a:t>
             </a:fld>
             <a:endParaRPr lang="en-US"/>
           </a:p>
@@ -2108,7 +2108,7 @@
           <a:p>
             <a:fld id="{C19FA522-58F7-46BF-AA3D-045D538A9541}" type="datetimeFigureOut">
               <a:rPr lang="en-US" smtClean="0"/>
-              <a:t>11/12/2021</a:t>
+              <a:t>1/14/2023</a:t>
             </a:fld>
             <a:endParaRPr lang="en-US"/>
           </a:p>
@@ -2419,7 +2419,7 @@
           <a:p>
             <a:fld id="{C19FA522-58F7-46BF-AA3D-045D538A9541}" type="datetimeFigureOut">
               <a:rPr lang="en-US" smtClean="0"/>
-              <a:t>11/12/2021</a:t>
+              <a:t>1/14/2023</a:t>
             </a:fld>
             <a:endParaRPr lang="en-US"/>
           </a:p>
@@ -2707,7 +2707,7 @@
           <a:p>
             <a:fld id="{C19FA522-58F7-46BF-AA3D-045D538A9541}" type="datetimeFigureOut">
               <a:rPr lang="en-US" smtClean="0"/>
-              <a:t>11/12/2021</a:t>
+              <a:t>1/14/2023</a:t>
             </a:fld>
             <a:endParaRPr lang="en-US"/>
           </a:p>
@@ -2948,7 +2948,7 @@
           <a:p>
             <a:fld id="{C19FA522-58F7-46BF-AA3D-045D538A9541}" type="datetimeFigureOut">
               <a:rPr lang="en-US" smtClean="0"/>
-              <a:t>11/12/2021</a:t>
+              <a:t>1/14/2023</a:t>
             </a:fld>
             <a:endParaRPr lang="en-US"/>
           </a:p>
@@ -3603,12 +3603,12 @@
             <a:graphicData uri="http://schemas.openxmlformats.org/presentationml/2006/ole">
               <mc:AlternateContent xmlns:mc="http://schemas.openxmlformats.org/markup-compatibility/2006">
                 <mc:Choice xmlns:v="urn:schemas-microsoft-com:vml" Requires="v">
-                  <p:oleObj spid="_x0000_s5149" name="Worksheet" r:id="rId3" imgW="3409804" imgH="3105316" progId="Excel.Sheet.12">
+                  <p:oleObj name="Worksheet" r:id="rId2" imgW="3409804" imgH="3105316" progId="Excel.Sheet.12">
                     <p:embed/>
                   </p:oleObj>
                 </mc:Choice>
                 <mc:Fallback>
-                  <p:oleObj name="Worksheet" r:id="rId3" imgW="3409804" imgH="3105316" progId="Excel.Sheet.12">
+                  <p:oleObj name="Worksheet" r:id="rId2" imgW="3409804" imgH="3105316" progId="Excel.Sheet.12">
                     <p:embed/>
                     <p:pic>
                       <p:nvPicPr>
@@ -3623,7 +3623,7 @@
                         <p:nvPr/>
                       </p:nvPicPr>
                       <p:blipFill>
-                        <a:blip r:embed="rId4"/>
+                        <a:blip r:embed="rId3"/>
                         <a:stretch>
                           <a:fillRect/>
                         </a:stretch>
@@ -3727,7 +3727,15 @@
           <a:p>
             <a:r>
               <a:rPr lang="en-US" dirty="0"/>
-              <a:t>If K=5 then maximum data point is ‘1’</a:t>
+              <a:t>If </a:t>
+            </a:r>
+            <a:r>
+              <a:rPr lang="en-US" b="1" dirty="0"/>
+              <a:t>K=5</a:t>
+            </a:r>
+            <a:r>
+              <a:rPr lang="en-US" dirty="0"/>
+              <a:t> then maximum data point is ‘1’</a:t>
             </a:r>
           </a:p>
           <a:p>
@@ -3934,7 +3942,15 @@
             </a:pPr>
             <a:r>
               <a:rPr lang="en-US" sz="1800" dirty="0"/>
-              <a:t>KNN classification and Regression follow the same procedure. The only difference is in KNN classification we assign the new data point in that class that’s contain the maximum data points according to the ‘K’ value. But the KNN regression problem we just take the average value to find the target predication value.</a:t>
+              <a:t>KNN classification and Regression follow the same procedure. The only difference is in KNN classification we assign the new data point in that class that’s contain the maximum data points according to the ‘K’ value. But the </a:t>
+            </a:r>
+            <a:r>
+              <a:rPr lang="en-US" sz="1800" b="1" dirty="0"/>
+              <a:t>KNN regression</a:t>
+            </a:r>
+            <a:r>
+              <a:rPr lang="en-US" sz="1800" dirty="0"/>
+              <a:t> problem we just take the average value to find the target predication value.</a:t>
             </a:r>
           </a:p>
         </p:txBody>
@@ -4528,8 +4544,8 @@
           </a:p>
         </p:txBody>
       </p:sp>
-      <mc:AlternateContent xmlns:mc="http://schemas.openxmlformats.org/markup-compatibility/2006">
-        <mc:Choice xmlns:a14="http://schemas.microsoft.com/office/drawing/2010/main" Requires="a14">
+      <mc:AlternateContent xmlns:mc="http://schemas.openxmlformats.org/markup-compatibility/2006" xmlns:a14="http://schemas.microsoft.com/office/drawing/2010/main">
+        <mc:Choice Requires="a14">
           <p:sp>
             <p:nvSpPr>
               <p:cNvPr id="3" name="Subtitle 2">
@@ -4849,7 +4865,7 @@
             </p:txBody>
           </p:sp>
         </mc:Choice>
-        <mc:Fallback>
+        <mc:Fallback xmlns="">
           <p:sp>
             <p:nvSpPr>
               <p:cNvPr id="3" name="Subtitle 2">
@@ -5030,7 +5046,7 @@
         </p:nvSpPr>
         <p:spPr>
           <a:xfrm>
-            <a:off x="9782978" y="2112812"/>
+            <a:off x="8985614" y="3002446"/>
             <a:ext cx="2198038" cy="954107"/>
           </a:xfrm>
           <a:prstGeom prst="rect">
@@ -7319,7 +7335,7 @@
         </p:nvSpPr>
         <p:spPr>
           <a:xfrm>
-            <a:off x="9782978" y="2112812"/>
+            <a:off x="8815364" y="3043086"/>
             <a:ext cx="2198038" cy="954107"/>
           </a:xfrm>
           <a:prstGeom prst="rect">
@@ -8910,7 +8926,7 @@
         </p:nvSpPr>
         <p:spPr>
           <a:xfrm>
-            <a:off x="10080434" y="3365792"/>
+            <a:off x="8626207" y="3373126"/>
             <a:ext cx="1695144" cy="738664"/>
           </a:xfrm>
           <a:prstGeom prst="rect">
@@ -10629,25 +10645,25 @@
           <p:nvPr>
             <p:extLst>
               <p:ext uri="{D42A27DB-BD31-4B8C-83A1-F6EECF244321}">
-                <p14:modId xmlns:p14="http://schemas.microsoft.com/office/powerpoint/2010/main" val="190188947"/>
+                <p14:modId xmlns:p14="http://schemas.microsoft.com/office/powerpoint/2010/main" val="4153460473"/>
               </p:ext>
             </p:extLst>
           </p:nvPr>
         </p:nvGraphicFramePr>
         <p:xfrm>
-          <a:off x="4262438" y="2184400"/>
-          <a:ext cx="4044950" cy="3105150"/>
+          <a:off x="3992276" y="1814053"/>
+          <a:ext cx="4207448" cy="3229893"/>
         </p:xfrm>
         <a:graphic>
           <a:graphicData uri="http://schemas.openxmlformats.org/presentationml/2006/ole">
             <mc:AlternateContent xmlns:mc="http://schemas.openxmlformats.org/markup-compatibility/2006">
               <mc:Choice xmlns:v="urn:schemas-microsoft-com:vml" Requires="v">
-                <p:oleObj spid="_x0000_s4125" name="Worksheet" r:id="rId3" imgW="3638539" imgH="3105316" progId="Excel.Sheet.12">
+                <p:oleObj name="Worksheet" r:id="rId2" imgW="3638539" imgH="3105316" progId="Excel.Sheet.12">
                   <p:embed/>
                 </p:oleObj>
               </mc:Choice>
               <mc:Fallback>
-                <p:oleObj name="Worksheet" r:id="rId3" imgW="3638539" imgH="3105316" progId="Excel.Sheet.12">
+                <p:oleObj name="Worksheet" r:id="rId2" imgW="3638539" imgH="3105316" progId="Excel.Sheet.12">
                   <p:embed/>
                   <p:pic>
                     <p:nvPicPr>
@@ -10656,15 +10672,15 @@
                       <p:nvPr/>
                     </p:nvPicPr>
                     <p:blipFill>
-                      <a:blip r:embed="rId4"/>
+                      <a:blip r:embed="rId3"/>
                       <a:stretch>
                         <a:fillRect/>
                       </a:stretch>
                     </p:blipFill>
                     <p:spPr>
                       <a:xfrm>
-                        <a:off x="4262438" y="2184400"/>
-                        <a:ext cx="4044950" cy="3105150"/>
+                        <a:off x="3992276" y="1814053"/>
+                        <a:ext cx="4207448" cy="3229893"/>
                       </a:xfrm>
                       <a:prstGeom prst="rect">
                         <a:avLst/>
@@ -10757,25 +10773,25 @@
           <p:nvPr>
             <p:extLst>
               <p:ext uri="{D42A27DB-BD31-4B8C-83A1-F6EECF244321}">
-                <p14:modId xmlns:p14="http://schemas.microsoft.com/office/powerpoint/2010/main" val="2721567406"/>
+                <p14:modId xmlns:p14="http://schemas.microsoft.com/office/powerpoint/2010/main" val="68378823"/>
               </p:ext>
             </p:extLst>
           </p:nvPr>
         </p:nvGraphicFramePr>
         <p:xfrm>
-          <a:off x="2764144" y="2614058"/>
+          <a:off x="2666082" y="2276590"/>
           <a:ext cx="6130925" cy="3105150"/>
         </p:xfrm>
         <a:graphic>
           <a:graphicData uri="http://schemas.openxmlformats.org/presentationml/2006/ole">
             <mc:AlternateContent xmlns:mc="http://schemas.openxmlformats.org/markup-compatibility/2006">
               <mc:Choice xmlns:v="urn:schemas-microsoft-com:vml" Requires="v">
-                <p:oleObj spid="_x0000_s1054" name="Worksheet" r:id="rId3" imgW="5514812" imgH="3105316" progId="Excel.Sheet.12">
+                <p:oleObj name="Worksheet" r:id="rId2" imgW="5514812" imgH="3105316" progId="Excel.Sheet.12">
                   <p:embed/>
                 </p:oleObj>
               </mc:Choice>
               <mc:Fallback>
-                <p:oleObj name="Worksheet" r:id="rId3" imgW="5514812" imgH="3105316" progId="Excel.Sheet.12">
+                <p:oleObj name="Worksheet" r:id="rId2" imgW="5514812" imgH="3105316" progId="Excel.Sheet.12">
                   <p:embed/>
                   <p:pic>
                     <p:nvPicPr>
@@ -10790,14 +10806,14 @@
                       <p:nvPr/>
                     </p:nvPicPr>
                     <p:blipFill>
-                      <a:blip r:embed="rId4"/>
+                      <a:blip r:embed="rId3"/>
                       <a:stretch>
                         <a:fillRect/>
                       </a:stretch>
                     </p:blipFill>
                     <p:spPr>
                       <a:xfrm>
-                        <a:off x="2764144" y="2614058"/>
+                        <a:off x="2666082" y="2276590"/>
                         <a:ext cx="6130925" cy="3105150"/>
                       </a:xfrm>
                       <a:prstGeom prst="rect">
@@ -10939,12 +10955,12 @@
           <a:graphicData uri="http://schemas.openxmlformats.org/presentationml/2006/ole">
             <mc:AlternateContent xmlns:mc="http://schemas.openxmlformats.org/markup-compatibility/2006">
               <mc:Choice xmlns:v="urn:schemas-microsoft-com:vml" Requires="v">
-                <p:oleObj spid="_x0000_s2078" name="Worksheet" r:id="rId3" imgW="3409804" imgH="3105316" progId="Excel.Sheet.12">
+                <p:oleObj name="Worksheet" r:id="rId2" imgW="3409804" imgH="3105316" progId="Excel.Sheet.12">
                   <p:embed/>
                 </p:oleObj>
               </mc:Choice>
               <mc:Fallback>
-                <p:oleObj name="Worksheet" r:id="rId3" imgW="3409804" imgH="3105316" progId="Excel.Sheet.12">
+                <p:oleObj name="Worksheet" r:id="rId2" imgW="3409804" imgH="3105316" progId="Excel.Sheet.12">
                   <p:embed/>
                   <p:pic>
                     <p:nvPicPr>
@@ -10959,7 +10975,7 @@
                       <p:nvPr/>
                     </p:nvPicPr>
                     <p:blipFill>
-                      <a:blip r:embed="rId4"/>
+                      <a:blip r:embed="rId3"/>
                       <a:stretch>
                         <a:fillRect/>
                       </a:stretch>
@@ -11132,12 +11148,12 @@
             <a:graphicData uri="http://schemas.openxmlformats.org/presentationml/2006/ole">
               <mc:AlternateContent xmlns:mc="http://schemas.openxmlformats.org/markup-compatibility/2006">
                 <mc:Choice xmlns:v="urn:schemas-microsoft-com:vml" Requires="v">
-                  <p:oleObj spid="_x0000_s3102" name="Worksheet" r:id="rId3" imgW="3409804" imgH="3105316" progId="Excel.Sheet.12">
+                  <p:oleObj name="Worksheet" r:id="rId2" imgW="3409804" imgH="3105316" progId="Excel.Sheet.12">
                     <p:embed/>
                   </p:oleObj>
                 </mc:Choice>
                 <mc:Fallback>
-                  <p:oleObj name="Worksheet" r:id="rId3" imgW="3409804" imgH="3105316" progId="Excel.Sheet.12">
+                  <p:oleObj name="Worksheet" r:id="rId2" imgW="3409804" imgH="3105316" progId="Excel.Sheet.12">
                     <p:embed/>
                     <p:pic>
                       <p:nvPicPr>
@@ -11152,7 +11168,7 @@
                         <p:nvPr/>
                       </p:nvPicPr>
                       <p:blipFill>
-                        <a:blip r:embed="rId4"/>
+                        <a:blip r:embed="rId3"/>
                         <a:stretch>
                           <a:fillRect/>
                         </a:stretch>
@@ -11256,7 +11272,15 @@
           <a:p>
             <a:r>
               <a:rPr lang="en-US" dirty="0"/>
-              <a:t>If K=3 then maximum data point is ‘0’</a:t>
+              <a:t>If </a:t>
+            </a:r>
+            <a:r>
+              <a:rPr lang="en-US" b="1" dirty="0"/>
+              <a:t>K=3</a:t>
+            </a:r>
+            <a:r>
+              <a:rPr lang="en-US" dirty="0"/>
+              <a:t> then maximum data point is ‘0’</a:t>
             </a:r>
           </a:p>
           <a:p>
